--- a/философия организации/йцу.pptx
+++ b/философия организации/йцу.pptx
@@ -15,6 +15,7 @@
     <p:sldId id="263" r:id="rId9"/>
     <p:sldId id="264" r:id="rId10"/>
     <p:sldId id="265" r:id="rId11"/>
+    <p:sldId id="266" r:id="rId12"/>
   </p:sldIdLst>
   <p:sldSz cx="12192000" cy="6858000"/>
   <p:notesSz cx="6858000" cy="9144000"/>
@@ -113,6 +114,11 @@
       </a:defRPr>
     </a:lvl9pPr>
   </p:defaultTextStyle>
+  <p:extLst>
+    <p:ext uri="{EFAFB233-063F-42B5-8137-9DF3F51BA10A}">
+      <p15:sldGuideLst xmlns:p15="http://schemas.microsoft.com/office/powerpoint/2012/main"/>
+    </p:ext>
+  </p:extLst>
 </p:presentation>
 </file>
 
@@ -475,7 +481,7 @@
           </a:lstStyle>
           <a:p>
             <a:r>
-              <a:rPr lang="ru-RU" smtClean="0"/>
+              <a:rPr lang="ru-RU"/>
               <a:t>Образец заголовка</a:t>
             </a:r>
             <a:endParaRPr lang="en-US" dirty="0"/>
@@ -594,7 +600,7 @@
           </a:lstStyle>
           <a:p>
             <a:r>
-              <a:rPr lang="ru-RU" smtClean="0"/>
+              <a:rPr lang="ru-RU"/>
               <a:t>Образец подзаголовка</a:t>
             </a:r>
             <a:endParaRPr lang="en-US" dirty="0"/>
@@ -619,7 +625,7 @@
             <a:fld id="{B61BEF0D-F0BB-DE4B-95CE-6DB70DBA9567}" type="datetimeFigureOut">
               <a:rPr lang="en-US" dirty="0"/>
               <a:pPr/>
-              <a:t>10/2/16</a:t>
+              <a:t>10/30/2016</a:t>
             </a:fld>
             <a:endParaRPr lang="en-US" dirty="0"/>
           </a:p>
@@ -725,7 +731,7 @@
           </a:lstStyle>
           <a:p>
             <a:r>
-              <a:rPr lang="ru-RU" smtClean="0"/>
+              <a:rPr lang="ru-RU"/>
               <a:t>Образец заголовка</a:t>
             </a:r>
             <a:endParaRPr lang="en-US" dirty="0"/>
@@ -820,7 +826,7 @@
           </a:lstStyle>
           <a:p>
             <a:r>
-              <a:rPr lang="ru-RU" smtClean="0"/>
+              <a:rPr lang="ru-RU"/>
               <a:t>Чтобы добавить рисунок, перетащите его в заполнитель или щелкните значок</a:t>
             </a:r>
             <a:endParaRPr lang="en-US" dirty="0"/>
@@ -888,7 +894,7 @@
           <a:p>
             <a:pPr lvl="0"/>
             <a:r>
-              <a:rPr lang="ru-RU" smtClean="0"/>
+              <a:rPr lang="ru-RU"/>
               <a:t>Образец текста</a:t>
             </a:r>
           </a:p>
@@ -912,7 +918,7 @@
             <a:fld id="{B61BEF0D-F0BB-DE4B-95CE-6DB70DBA9567}" type="datetimeFigureOut">
               <a:rPr lang="en-US" dirty="0"/>
               <a:pPr/>
-              <a:t>10/2/16</a:t>
+              <a:t>10/30/2016</a:t>
             </a:fld>
             <a:endParaRPr lang="en-US" dirty="0"/>
           </a:p>
@@ -1013,7 +1019,7 @@
           </a:lstStyle>
           <a:p>
             <a:r>
-              <a:rPr lang="ru-RU" smtClean="0"/>
+              <a:rPr lang="ru-RU"/>
               <a:t>Образец заголовка</a:t>
             </a:r>
             <a:endParaRPr lang="en-US" dirty="0"/>
@@ -1133,7 +1139,7 @@
           <a:p>
             <a:pPr lvl="0"/>
             <a:r>
-              <a:rPr lang="ru-RU" smtClean="0"/>
+              <a:rPr lang="ru-RU"/>
               <a:t>Образец текста</a:t>
             </a:r>
           </a:p>
@@ -1157,7 +1163,7 @@
             <a:fld id="{B61BEF0D-F0BB-DE4B-95CE-6DB70DBA9567}" type="datetimeFigureOut">
               <a:rPr lang="en-US" dirty="0"/>
               <a:pPr/>
-              <a:t>10/2/16</a:t>
+              <a:t>10/30/2016</a:t>
             </a:fld>
             <a:endParaRPr lang="en-US" dirty="0"/>
           </a:p>
@@ -1494,7 +1500,7 @@
           </a:lstStyle>
           <a:p>
             <a:r>
-              <a:rPr lang="ru-RU" smtClean="0"/>
+              <a:rPr lang="ru-RU"/>
               <a:t>Образец заголовка</a:t>
             </a:r>
             <a:endParaRPr lang="en-US" dirty="0"/>
@@ -1551,7 +1557,7 @@
           <a:p>
             <a:pPr lvl="0"/>
             <a:r>
-              <a:rPr lang="ru-RU" smtClean="0"/>
+              <a:rPr lang="ru-RU"/>
               <a:t>Образец текста</a:t>
             </a:r>
           </a:p>
@@ -1670,7 +1676,7 @@
           <a:p>
             <a:pPr lvl="0"/>
             <a:r>
-              <a:rPr lang="ru-RU" smtClean="0"/>
+              <a:rPr lang="ru-RU"/>
               <a:t>Образец текста</a:t>
             </a:r>
           </a:p>
@@ -1694,7 +1700,7 @@
             <a:fld id="{B61BEF0D-F0BB-DE4B-95CE-6DB70DBA9567}" type="datetimeFigureOut">
               <a:rPr lang="en-US" dirty="0"/>
               <a:pPr/>
-              <a:t>10/2/16</a:t>
+              <a:t>10/30/2016</a:t>
             </a:fld>
             <a:endParaRPr lang="en-US" dirty="0"/>
           </a:p>
@@ -1795,7 +1801,7 @@
           </a:lstStyle>
           <a:p>
             <a:r>
-              <a:rPr lang="ru-RU" smtClean="0"/>
+              <a:rPr lang="ru-RU"/>
               <a:t>Образец заголовка</a:t>
             </a:r>
             <a:endParaRPr lang="en-US" dirty="0"/>
@@ -1915,7 +1921,7 @@
           <a:p>
             <a:pPr lvl="0"/>
             <a:r>
-              <a:rPr lang="ru-RU" smtClean="0"/>
+              <a:rPr lang="ru-RU"/>
               <a:t>Образец текста</a:t>
             </a:r>
           </a:p>
@@ -1939,7 +1945,7 @@
             <a:fld id="{B61BEF0D-F0BB-DE4B-95CE-6DB70DBA9567}" type="datetimeFigureOut">
               <a:rPr lang="en-US" dirty="0"/>
               <a:pPr/>
-              <a:t>10/2/16</a:t>
+              <a:t>10/30/2016</a:t>
             </a:fld>
             <a:endParaRPr lang="en-US" dirty="0"/>
           </a:p>
@@ -2276,7 +2282,7 @@
           </a:lstStyle>
           <a:p>
             <a:r>
-              <a:rPr lang="ru-RU" smtClean="0"/>
+              <a:rPr lang="ru-RU"/>
               <a:t>Образец заголовка</a:t>
             </a:r>
             <a:endParaRPr lang="en-US" dirty="0"/>
@@ -2325,7 +2331,7 @@
               <a:buNone/>
             </a:pPr>
             <a:r>
-              <a:rPr lang="ru-RU" smtClean="0"/>
+              <a:rPr lang="ru-RU"/>
               <a:t>Образец текста</a:t>
             </a:r>
           </a:p>
@@ -2444,7 +2450,7 @@
           <a:p>
             <a:pPr lvl="0"/>
             <a:r>
-              <a:rPr lang="ru-RU" smtClean="0"/>
+              <a:rPr lang="ru-RU"/>
               <a:t>Образец текста</a:t>
             </a:r>
           </a:p>
@@ -2468,7 +2474,7 @@
             <a:fld id="{B61BEF0D-F0BB-DE4B-95CE-6DB70DBA9567}" type="datetimeFigureOut">
               <a:rPr lang="en-US" dirty="0"/>
               <a:pPr/>
-              <a:t>10/2/16</a:t>
+              <a:t>10/30/2016</a:t>
             </a:fld>
             <a:endParaRPr lang="en-US" dirty="0"/>
           </a:p>
@@ -2570,7 +2576,7 @@
           <a:p>
             <a:pPr marL="0" lvl="0"/>
             <a:r>
-              <a:rPr lang="ru-RU" smtClean="0"/>
+              <a:rPr lang="ru-RU"/>
               <a:t>Образец заголовка</a:t>
             </a:r>
             <a:endParaRPr lang="en-US" dirty="0"/>
@@ -2619,7 +2625,7 @@
               <a:buNone/>
             </a:pPr>
             <a:r>
-              <a:rPr lang="ru-RU" smtClean="0"/>
+              <a:rPr lang="ru-RU"/>
               <a:t>Образец текста</a:t>
             </a:r>
           </a:p>
@@ -2738,7 +2744,7 @@
           <a:p>
             <a:pPr lvl="0"/>
             <a:r>
-              <a:rPr lang="ru-RU" smtClean="0"/>
+              <a:rPr lang="ru-RU"/>
               <a:t>Образец текста</a:t>
             </a:r>
           </a:p>
@@ -2762,7 +2768,7 @@
             <a:fld id="{B61BEF0D-F0BB-DE4B-95CE-6DB70DBA9567}" type="datetimeFigureOut">
               <a:rPr lang="en-US" dirty="0"/>
               <a:pPr/>
-              <a:t>10/2/16</a:t>
+              <a:t>10/30/2016</a:t>
             </a:fld>
             <a:endParaRPr lang="en-US" dirty="0"/>
           </a:p>
@@ -2856,7 +2862,7 @@
           </a:lstStyle>
           <a:p>
             <a:r>
-              <a:rPr lang="ru-RU" smtClean="0"/>
+              <a:rPr lang="ru-RU"/>
               <a:t>Образец заголовка</a:t>
             </a:r>
             <a:endParaRPr lang="en-US" dirty="0"/>
@@ -2880,35 +2886,35 @@
           <a:p>
             <a:pPr lvl="0"/>
             <a:r>
-              <a:rPr lang="ru-RU" smtClean="0"/>
+              <a:rPr lang="ru-RU"/>
               <a:t>Образец текста</a:t>
             </a:r>
           </a:p>
           <a:p>
             <a:pPr lvl="1"/>
             <a:r>
-              <a:rPr lang="ru-RU" smtClean="0"/>
+              <a:rPr lang="ru-RU"/>
               <a:t>Второй уровень</a:t>
             </a:r>
           </a:p>
           <a:p>
             <a:pPr lvl="2"/>
             <a:r>
-              <a:rPr lang="ru-RU" smtClean="0"/>
+              <a:rPr lang="ru-RU"/>
               <a:t>Третий уровень</a:t>
             </a:r>
           </a:p>
           <a:p>
             <a:pPr lvl="3"/>
             <a:r>
-              <a:rPr lang="ru-RU" smtClean="0"/>
+              <a:rPr lang="ru-RU"/>
               <a:t>Четвертый уровень</a:t>
             </a:r>
           </a:p>
           <a:p>
             <a:pPr lvl="4"/>
             <a:r>
-              <a:rPr lang="ru-RU" smtClean="0"/>
+              <a:rPr lang="ru-RU"/>
               <a:t>Пятый уровень</a:t>
             </a:r>
             <a:endParaRPr lang="en-US" dirty="0"/>
@@ -2933,7 +2939,7 @@
             <a:fld id="{B61BEF0D-F0BB-DE4B-95CE-6DB70DBA9567}" type="datetimeFigureOut">
               <a:rPr lang="en-US" dirty="0"/>
               <a:pPr/>
-              <a:t>10/2/16</a:t>
+              <a:t>10/30/2016</a:t>
             </a:fld>
             <a:endParaRPr lang="en-US" dirty="0"/>
           </a:p>
@@ -3028,7 +3034,7 @@
           <a:lstStyle/>
           <a:p>
             <a:r>
-              <a:rPr lang="ru-RU" smtClean="0"/>
+              <a:rPr lang="ru-RU"/>
               <a:t>Образец заголовка</a:t>
             </a:r>
             <a:endParaRPr lang="en-US" dirty="0"/>
@@ -3057,35 +3063,35 @@
           <a:p>
             <a:pPr lvl="0"/>
             <a:r>
-              <a:rPr lang="ru-RU" smtClean="0"/>
+              <a:rPr lang="ru-RU"/>
               <a:t>Образец текста</a:t>
             </a:r>
           </a:p>
           <a:p>
             <a:pPr lvl="1"/>
             <a:r>
-              <a:rPr lang="ru-RU" smtClean="0"/>
+              <a:rPr lang="ru-RU"/>
               <a:t>Второй уровень</a:t>
             </a:r>
           </a:p>
           <a:p>
             <a:pPr lvl="2"/>
             <a:r>
-              <a:rPr lang="ru-RU" smtClean="0"/>
+              <a:rPr lang="ru-RU"/>
               <a:t>Третий уровень</a:t>
             </a:r>
           </a:p>
           <a:p>
             <a:pPr lvl="3"/>
             <a:r>
-              <a:rPr lang="ru-RU" smtClean="0"/>
+              <a:rPr lang="ru-RU"/>
               <a:t>Четвертый уровень</a:t>
             </a:r>
           </a:p>
           <a:p>
             <a:pPr lvl="4"/>
             <a:r>
-              <a:rPr lang="ru-RU" smtClean="0"/>
+              <a:rPr lang="ru-RU"/>
               <a:t>Пятый уровень</a:t>
             </a:r>
             <a:endParaRPr lang="en-US" dirty="0"/>
@@ -3110,7 +3116,7 @@
             <a:fld id="{B61BEF0D-F0BB-DE4B-95CE-6DB70DBA9567}" type="datetimeFigureOut">
               <a:rPr lang="en-US" dirty="0"/>
               <a:pPr/>
-              <a:t>10/2/16</a:t>
+              <a:t>10/30/2016</a:t>
             </a:fld>
             <a:endParaRPr lang="en-US" dirty="0"/>
           </a:p>
@@ -3200,7 +3206,7 @@
           <a:lstStyle/>
           <a:p>
             <a:r>
-              <a:rPr lang="ru-RU" smtClean="0"/>
+              <a:rPr lang="ru-RU"/>
               <a:t>Образец заголовка</a:t>
             </a:r>
             <a:endParaRPr lang="en-US" dirty="0"/>
@@ -3224,35 +3230,35 @@
           <a:p>
             <a:pPr lvl="0"/>
             <a:r>
-              <a:rPr lang="ru-RU" smtClean="0"/>
+              <a:rPr lang="ru-RU"/>
               <a:t>Образец текста</a:t>
             </a:r>
           </a:p>
           <a:p>
             <a:pPr lvl="1"/>
             <a:r>
-              <a:rPr lang="ru-RU" smtClean="0"/>
+              <a:rPr lang="ru-RU"/>
               <a:t>Второй уровень</a:t>
             </a:r>
           </a:p>
           <a:p>
             <a:pPr lvl="2"/>
             <a:r>
-              <a:rPr lang="ru-RU" smtClean="0"/>
+              <a:rPr lang="ru-RU"/>
               <a:t>Третий уровень</a:t>
             </a:r>
           </a:p>
           <a:p>
             <a:pPr lvl="3"/>
             <a:r>
-              <a:rPr lang="ru-RU" smtClean="0"/>
+              <a:rPr lang="ru-RU"/>
               <a:t>Четвертый уровень</a:t>
             </a:r>
           </a:p>
           <a:p>
             <a:pPr lvl="4"/>
             <a:r>
-              <a:rPr lang="ru-RU" smtClean="0"/>
+              <a:rPr lang="ru-RU"/>
               <a:t>Пятый уровень</a:t>
             </a:r>
             <a:endParaRPr lang="en-US" dirty="0"/>
@@ -3277,7 +3283,7 @@
             <a:fld id="{B61BEF0D-F0BB-DE4B-95CE-6DB70DBA9567}" type="datetimeFigureOut">
               <a:rPr lang="en-US" dirty="0"/>
               <a:pPr/>
-              <a:t>10/2/16</a:t>
+              <a:t>10/30/2016</a:t>
             </a:fld>
             <a:endParaRPr lang="en-US" dirty="0"/>
           </a:p>
@@ -3381,7 +3387,7 @@
           </a:lstStyle>
           <a:p>
             <a:r>
-              <a:rPr lang="ru-RU" smtClean="0"/>
+              <a:rPr lang="ru-RU"/>
               <a:t>Образец заголовка</a:t>
             </a:r>
             <a:endParaRPr lang="en-US" dirty="0"/>
@@ -3501,7 +3507,7 @@
           <a:p>
             <a:pPr lvl="0"/>
             <a:r>
-              <a:rPr lang="ru-RU" smtClean="0"/>
+              <a:rPr lang="ru-RU"/>
               <a:t>Образец текста</a:t>
             </a:r>
           </a:p>
@@ -3525,7 +3531,7 @@
             <a:fld id="{B61BEF0D-F0BB-DE4B-95CE-6DB70DBA9567}" type="datetimeFigureOut">
               <a:rPr lang="en-US" dirty="0"/>
               <a:pPr/>
-              <a:t>10/2/16</a:t>
+              <a:t>10/30/2016</a:t>
             </a:fld>
             <a:endParaRPr lang="en-US" dirty="0"/>
           </a:p>
@@ -3620,7 +3626,7 @@
           <a:lstStyle/>
           <a:p>
             <a:r>
-              <a:rPr lang="ru-RU" smtClean="0"/>
+              <a:rPr lang="ru-RU"/>
               <a:t>Образец заголовка</a:t>
             </a:r>
             <a:endParaRPr lang="en-US" dirty="0"/>
@@ -3679,35 +3685,35 @@
           <a:p>
             <a:pPr lvl="0"/>
             <a:r>
-              <a:rPr lang="ru-RU" smtClean="0"/>
+              <a:rPr lang="ru-RU"/>
               <a:t>Образец текста</a:t>
             </a:r>
           </a:p>
           <a:p>
             <a:pPr lvl="1"/>
             <a:r>
-              <a:rPr lang="ru-RU" smtClean="0"/>
+              <a:rPr lang="ru-RU"/>
               <a:t>Второй уровень</a:t>
             </a:r>
           </a:p>
           <a:p>
             <a:pPr lvl="2"/>
             <a:r>
-              <a:rPr lang="ru-RU" smtClean="0"/>
+              <a:rPr lang="ru-RU"/>
               <a:t>Третий уровень</a:t>
             </a:r>
           </a:p>
           <a:p>
             <a:pPr lvl="3"/>
             <a:r>
-              <a:rPr lang="ru-RU" smtClean="0"/>
+              <a:rPr lang="ru-RU"/>
               <a:t>Четвертый уровень</a:t>
             </a:r>
           </a:p>
           <a:p>
             <a:pPr lvl="4"/>
             <a:r>
-              <a:rPr lang="ru-RU" smtClean="0"/>
+              <a:rPr lang="ru-RU"/>
               <a:t>Пятый уровень</a:t>
             </a:r>
             <a:endParaRPr lang="en-US" dirty="0"/>
@@ -3766,35 +3772,35 @@
           <a:p>
             <a:pPr lvl="0"/>
             <a:r>
-              <a:rPr lang="ru-RU" smtClean="0"/>
+              <a:rPr lang="ru-RU"/>
               <a:t>Образец текста</a:t>
             </a:r>
           </a:p>
           <a:p>
             <a:pPr lvl="1"/>
             <a:r>
-              <a:rPr lang="ru-RU" smtClean="0"/>
+              <a:rPr lang="ru-RU"/>
               <a:t>Второй уровень</a:t>
             </a:r>
           </a:p>
           <a:p>
             <a:pPr lvl="2"/>
             <a:r>
-              <a:rPr lang="ru-RU" smtClean="0"/>
+              <a:rPr lang="ru-RU"/>
               <a:t>Третий уровень</a:t>
             </a:r>
           </a:p>
           <a:p>
             <a:pPr lvl="3"/>
             <a:r>
-              <a:rPr lang="ru-RU" smtClean="0"/>
+              <a:rPr lang="ru-RU"/>
               <a:t>Четвертый уровень</a:t>
             </a:r>
           </a:p>
           <a:p>
             <a:pPr lvl="4"/>
             <a:r>
-              <a:rPr lang="ru-RU" smtClean="0"/>
+              <a:rPr lang="ru-RU"/>
               <a:t>Пятый уровень</a:t>
             </a:r>
             <a:endParaRPr lang="en-US" dirty="0"/>
@@ -3819,7 +3825,7 @@
             <a:fld id="{B61BEF0D-F0BB-DE4B-95CE-6DB70DBA9567}" type="datetimeFigureOut">
               <a:rPr lang="en-US" dirty="0"/>
               <a:pPr/>
-              <a:t>10/2/16</a:t>
+              <a:t>10/30/2016</a:t>
             </a:fld>
             <a:endParaRPr lang="en-US" dirty="0"/>
           </a:p>
@@ -3913,7 +3919,7 @@
           </a:lstStyle>
           <a:p>
             <a:r>
-              <a:rPr lang="ru-RU" smtClean="0"/>
+              <a:rPr lang="ru-RU"/>
               <a:t>Образец заголовка</a:t>
             </a:r>
             <a:endParaRPr lang="en-US" dirty="0"/>
@@ -3987,7 +3993,7 @@
           <a:p>
             <a:pPr lvl="0"/>
             <a:r>
-              <a:rPr lang="ru-RU" smtClean="0"/>
+              <a:rPr lang="ru-RU"/>
               <a:t>Образец текста</a:t>
             </a:r>
           </a:p>
@@ -4045,35 +4051,35 @@
           <a:p>
             <a:pPr lvl="0"/>
             <a:r>
-              <a:rPr lang="ru-RU" smtClean="0"/>
+              <a:rPr lang="ru-RU"/>
               <a:t>Образец текста</a:t>
             </a:r>
           </a:p>
           <a:p>
             <a:pPr lvl="1"/>
             <a:r>
-              <a:rPr lang="ru-RU" smtClean="0"/>
+              <a:rPr lang="ru-RU"/>
               <a:t>Второй уровень</a:t>
             </a:r>
           </a:p>
           <a:p>
             <a:pPr lvl="2"/>
             <a:r>
-              <a:rPr lang="ru-RU" smtClean="0"/>
+              <a:rPr lang="ru-RU"/>
               <a:t>Третий уровень</a:t>
             </a:r>
           </a:p>
           <a:p>
             <a:pPr lvl="3"/>
             <a:r>
-              <a:rPr lang="ru-RU" smtClean="0"/>
+              <a:rPr lang="ru-RU"/>
               <a:t>Четвертый уровень</a:t>
             </a:r>
           </a:p>
           <a:p>
             <a:pPr lvl="4"/>
             <a:r>
-              <a:rPr lang="ru-RU" smtClean="0"/>
+              <a:rPr lang="ru-RU"/>
               <a:t>Пятый уровень</a:t>
             </a:r>
             <a:endParaRPr lang="en-US" dirty="0"/>
@@ -4147,7 +4153,7 @@
           <a:p>
             <a:pPr lvl="0"/>
             <a:r>
-              <a:rPr lang="ru-RU" smtClean="0"/>
+              <a:rPr lang="ru-RU"/>
               <a:t>Образец текста</a:t>
             </a:r>
           </a:p>
@@ -4205,35 +4211,35 @@
           <a:p>
             <a:pPr lvl="0"/>
             <a:r>
-              <a:rPr lang="ru-RU" smtClean="0"/>
+              <a:rPr lang="ru-RU"/>
               <a:t>Образец текста</a:t>
             </a:r>
           </a:p>
           <a:p>
             <a:pPr lvl="1"/>
             <a:r>
-              <a:rPr lang="ru-RU" smtClean="0"/>
+              <a:rPr lang="ru-RU"/>
               <a:t>Второй уровень</a:t>
             </a:r>
           </a:p>
           <a:p>
             <a:pPr lvl="2"/>
             <a:r>
-              <a:rPr lang="ru-RU" smtClean="0"/>
+              <a:rPr lang="ru-RU"/>
               <a:t>Третий уровень</a:t>
             </a:r>
           </a:p>
           <a:p>
             <a:pPr lvl="3"/>
             <a:r>
-              <a:rPr lang="ru-RU" smtClean="0"/>
+              <a:rPr lang="ru-RU"/>
               <a:t>Четвертый уровень</a:t>
             </a:r>
           </a:p>
           <a:p>
             <a:pPr lvl="4"/>
             <a:r>
-              <a:rPr lang="ru-RU" smtClean="0"/>
+              <a:rPr lang="ru-RU"/>
               <a:t>Пятый уровень</a:t>
             </a:r>
             <a:endParaRPr lang="en-US" dirty="0"/>
@@ -4258,7 +4264,7 @@
             <a:fld id="{B61BEF0D-F0BB-DE4B-95CE-6DB70DBA9567}" type="datetimeFigureOut">
               <a:rPr lang="en-US" dirty="0"/>
               <a:pPr/>
-              <a:t>10/2/16</a:t>
+              <a:t>10/30/2016</a:t>
             </a:fld>
             <a:endParaRPr lang="en-US" dirty="0"/>
           </a:p>
@@ -4348,7 +4354,7 @@
           <a:lstStyle/>
           <a:p>
             <a:r>
-              <a:rPr lang="ru-RU" smtClean="0"/>
+              <a:rPr lang="ru-RU"/>
               <a:t>Образец заголовка</a:t>
             </a:r>
             <a:endParaRPr lang="en-US" dirty="0"/>
@@ -4373,7 +4379,7 @@
             <a:fld id="{B61BEF0D-F0BB-DE4B-95CE-6DB70DBA9567}" type="datetimeFigureOut">
               <a:rPr lang="en-US" dirty="0"/>
               <a:pPr/>
-              <a:t>10/2/16</a:t>
+              <a:t>10/30/2016</a:t>
             </a:fld>
             <a:endParaRPr lang="en-US" dirty="0"/>
           </a:p>
@@ -4465,7 +4471,7 @@
             <a:fld id="{B61BEF0D-F0BB-DE4B-95CE-6DB70DBA9567}" type="datetimeFigureOut">
               <a:rPr lang="en-US" dirty="0"/>
               <a:pPr/>
-              <a:t>10/2/16</a:t>
+              <a:t>10/30/2016</a:t>
             </a:fld>
             <a:endParaRPr lang="en-US" dirty="0"/>
           </a:p>
@@ -4566,7 +4572,7 @@
           </a:lstStyle>
           <a:p>
             <a:r>
-              <a:rPr lang="ru-RU" smtClean="0"/>
+              <a:rPr lang="ru-RU"/>
               <a:t>Образец заголовка</a:t>
             </a:r>
             <a:endParaRPr lang="en-US" dirty="0"/>
@@ -4625,35 +4631,35 @@
           <a:p>
             <a:pPr lvl="0"/>
             <a:r>
-              <a:rPr lang="ru-RU" smtClean="0"/>
+              <a:rPr lang="ru-RU"/>
               <a:t>Образец текста</a:t>
             </a:r>
           </a:p>
           <a:p>
             <a:pPr lvl="1"/>
             <a:r>
-              <a:rPr lang="ru-RU" smtClean="0"/>
+              <a:rPr lang="ru-RU"/>
               <a:t>Второй уровень</a:t>
             </a:r>
           </a:p>
           <a:p>
             <a:pPr lvl="2"/>
             <a:r>
-              <a:rPr lang="ru-RU" smtClean="0"/>
+              <a:rPr lang="ru-RU"/>
               <a:t>Третий уровень</a:t>
             </a:r>
           </a:p>
           <a:p>
             <a:pPr lvl="3"/>
             <a:r>
-              <a:rPr lang="ru-RU" smtClean="0"/>
+              <a:rPr lang="ru-RU"/>
               <a:t>Четвертый уровень</a:t>
             </a:r>
           </a:p>
           <a:p>
             <a:pPr lvl="4"/>
             <a:r>
-              <a:rPr lang="ru-RU" smtClean="0"/>
+              <a:rPr lang="ru-RU"/>
               <a:t>Пятый уровень</a:t>
             </a:r>
             <a:endParaRPr lang="en-US" dirty="0"/>
@@ -4721,7 +4727,7 @@
           <a:p>
             <a:pPr lvl="0"/>
             <a:r>
-              <a:rPr lang="ru-RU" smtClean="0"/>
+              <a:rPr lang="ru-RU"/>
               <a:t>Образец текста</a:t>
             </a:r>
           </a:p>
@@ -4745,7 +4751,7 @@
             <a:fld id="{B61BEF0D-F0BB-DE4B-95CE-6DB70DBA9567}" type="datetimeFigureOut">
               <a:rPr lang="en-US" dirty="0"/>
               <a:pPr/>
-              <a:t>10/2/16</a:t>
+              <a:t>10/30/2016</a:t>
             </a:fld>
             <a:endParaRPr lang="en-US" dirty="0"/>
           </a:p>
@@ -4846,7 +4852,7 @@
           </a:lstStyle>
           <a:p>
             <a:r>
-              <a:rPr lang="ru-RU" smtClean="0"/>
+              <a:rPr lang="ru-RU"/>
               <a:t>Образец заголовка</a:t>
             </a:r>
             <a:endParaRPr lang="en-US" dirty="0"/>
@@ -4941,7 +4947,7 @@
           </a:lstStyle>
           <a:p>
             <a:r>
-              <a:rPr lang="ru-RU" smtClean="0"/>
+              <a:rPr lang="ru-RU"/>
               <a:t>Чтобы добавить рисунок, перетащите его в заполнитель или щелкните значок</a:t>
             </a:r>
             <a:endParaRPr lang="en-US" dirty="0"/>
@@ -5009,7 +5015,7 @@
           <a:p>
             <a:pPr lvl="0"/>
             <a:r>
-              <a:rPr lang="ru-RU" smtClean="0"/>
+              <a:rPr lang="ru-RU"/>
               <a:t>Образец текста</a:t>
             </a:r>
           </a:p>
@@ -5033,7 +5039,7 @@
             <a:fld id="{B61BEF0D-F0BB-DE4B-95CE-6DB70DBA9567}" type="datetimeFigureOut">
               <a:rPr lang="en-US" dirty="0"/>
               <a:pPr/>
-              <a:t>10/2/16</a:t>
+              <a:t>10/30/2016</a:t>
             </a:fld>
             <a:endParaRPr lang="en-US" dirty="0"/>
           </a:p>
@@ -5455,7 +5461,7 @@
           <a:lstStyle/>
           <a:p>
             <a:r>
-              <a:rPr lang="ru-RU" smtClean="0"/>
+              <a:rPr lang="ru-RU"/>
               <a:t>Образец заголовка</a:t>
             </a:r>
             <a:endParaRPr lang="en-US" dirty="0"/>
@@ -5489,35 +5495,35 @@
           <a:p>
             <a:pPr lvl="0"/>
             <a:r>
-              <a:rPr lang="ru-RU" smtClean="0"/>
+              <a:rPr lang="ru-RU"/>
               <a:t>Образец текста</a:t>
             </a:r>
           </a:p>
           <a:p>
             <a:pPr lvl="1"/>
             <a:r>
-              <a:rPr lang="ru-RU" smtClean="0"/>
+              <a:rPr lang="ru-RU"/>
               <a:t>Второй уровень</a:t>
             </a:r>
           </a:p>
           <a:p>
             <a:pPr lvl="2"/>
             <a:r>
-              <a:rPr lang="ru-RU" smtClean="0"/>
+              <a:rPr lang="ru-RU"/>
               <a:t>Третий уровень</a:t>
             </a:r>
           </a:p>
           <a:p>
             <a:pPr lvl="3"/>
             <a:r>
-              <a:rPr lang="ru-RU" smtClean="0"/>
+              <a:rPr lang="ru-RU"/>
               <a:t>Четвертый уровень</a:t>
             </a:r>
           </a:p>
           <a:p>
             <a:pPr lvl="4"/>
             <a:r>
-              <a:rPr lang="ru-RU" smtClean="0"/>
+              <a:rPr lang="ru-RU"/>
               <a:t>Пятый уровень</a:t>
             </a:r>
             <a:endParaRPr lang="en-US" dirty="0"/>
@@ -5560,7 +5566,7 @@
             <a:fld id="{B61BEF0D-F0BB-DE4B-95CE-6DB70DBA9567}" type="datetimeFigureOut">
               <a:rPr lang="en-US" dirty="0"/>
               <a:pPr/>
-              <a:t>10/2/16</a:t>
+              <a:t>10/30/2016</a:t>
             </a:fld>
             <a:endParaRPr lang="en-US" dirty="0"/>
           </a:p>
@@ -6103,10 +6109,9 @@
           <a:lstStyle/>
           <a:p>
             <a:r>
-              <a:rPr lang="ru-RU" dirty="0" smtClean="0"/>
+              <a:rPr lang="ru-RU" dirty="0"/>
               <a:t>Философия организации</a:t>
             </a:r>
-            <a:endParaRPr lang="ru-RU" dirty="0"/>
           </a:p>
         </p:txBody>
       </p:sp>
@@ -6128,35 +6133,35 @@
           <a:lstStyle/>
           <a:p>
             <a:r>
-              <a:rPr lang="ru-RU" dirty="0" smtClean="0"/>
+              <a:rPr lang="ru-RU" dirty="0"/>
               <a:t>Подготовили студенты группы Т40913</a:t>
             </a:r>
             <a:r>
-              <a:rPr lang="en-US" dirty="0" smtClean="0"/>
+              <a:rPr lang="en-US" dirty="0"/>
               <a:t>:</a:t>
             </a:r>
           </a:p>
           <a:p>
             <a:r>
-              <a:rPr lang="ru-RU" dirty="0" smtClean="0"/>
+              <a:rPr lang="ru-RU" dirty="0"/>
               <a:t>Бутенко А.Ю.</a:t>
             </a:r>
           </a:p>
           <a:p>
             <a:r>
-              <a:rPr lang="ru-RU" dirty="0" err="1" smtClean="0"/>
+              <a:rPr lang="ru-RU" dirty="0" err="1"/>
               <a:t>Пинигин</a:t>
             </a:r>
             <a:r>
-              <a:rPr lang="ru-RU" dirty="0" smtClean="0"/>
+              <a:rPr lang="ru-RU" dirty="0"/>
               <a:t> И.</a:t>
             </a:r>
             <a:r>
-              <a:rPr lang="en-US" dirty="0" smtClean="0"/>
+              <a:rPr lang="en-US" dirty="0"/>
               <a:t>#</a:t>
             </a:r>
             <a:r>
-              <a:rPr lang="ru-RU" dirty="0" smtClean="0"/>
+              <a:rPr lang="ru-RU" dirty="0"/>
               <a:t>.</a:t>
             </a:r>
           </a:p>
@@ -6259,7 +6264,6 @@
               <a:rPr lang="ru-RU" dirty="0"/>
               <a:t>Организация не рекомендует сотрудникам принимать подарки от клиентов и считает недопустимым предоставление в обмен на них служебной информации.</a:t>
             </a:r>
-            <a:endParaRPr lang="ru-RU" dirty="0"/>
           </a:p>
         </p:txBody>
       </p:sp>
@@ -6267,6 +6271,63 @@
     <p:extLst>
       <p:ext uri="{BB962C8B-B14F-4D97-AF65-F5344CB8AC3E}">
         <p14:creationId xmlns:p14="http://schemas.microsoft.com/office/powerpoint/2010/main" val="796957230"/>
+      </p:ext>
+    </p:extLst>
+  </p:cSld>
+  <p:clrMapOvr>
+    <a:masterClrMapping/>
+  </p:clrMapOvr>
+</p:sld>
+</file>
+
+<file path=ppt/slides/slide11.xml><?xml version="1.0" encoding="utf-8"?>
+<p:sld xmlns:a="http://schemas.openxmlformats.org/drawingml/2006/main" xmlns:r="http://schemas.openxmlformats.org/officeDocument/2006/relationships" xmlns:p="http://schemas.openxmlformats.org/presentationml/2006/main">
+  <p:cSld>
+    <p:spTree>
+      <p:nvGrpSpPr>
+        <p:cNvPr id="1" name=""/>
+        <p:cNvGrpSpPr/>
+        <p:nvPr/>
+      </p:nvGrpSpPr>
+      <p:grpSpPr>
+        <a:xfrm>
+          <a:off x="0" y="0"/>
+          <a:ext cx="0" cy="0"/>
+          <a:chOff x="0" y="0"/>
+          <a:chExt cx="0" cy="0"/>
+        </a:xfrm>
+      </p:grpSpPr>
+      <p:sp>
+        <p:nvSpPr>
+          <p:cNvPr id="2" name="Заголовок 1"/>
+          <p:cNvSpPr>
+            <a:spLocks noGrp="1"/>
+          </p:cNvSpPr>
+          <p:nvPr>
+            <p:ph type="title"/>
+          </p:nvPr>
+        </p:nvSpPr>
+        <p:spPr>
+          <a:xfrm>
+            <a:off x="1422167" y="1996735"/>
+            <a:ext cx="10018713" cy="1752599"/>
+          </a:xfrm>
+        </p:spPr>
+        <p:txBody>
+          <a:bodyPr/>
+          <a:lstStyle/>
+          <a:p>
+            <a:r>
+              <a:rPr lang="ru-RU" dirty="0"/>
+              <a:t>Спасибо за внимание!</a:t>
+            </a:r>
+          </a:p>
+        </p:txBody>
+      </p:sp>
+    </p:spTree>
+    <p:extLst>
+      <p:ext uri="{BB962C8B-B14F-4D97-AF65-F5344CB8AC3E}">
+        <p14:creationId xmlns:p14="http://schemas.microsoft.com/office/powerpoint/2010/main" val="844359383"/>
       </p:ext>
     </p:extLst>
   </p:cSld>
@@ -6310,11 +6371,7 @@
           <a:p>
             <a:r>
               <a:rPr lang="ru-RU" dirty="0"/>
-              <a:t>Примерная философия организации, как правило, определяет</a:t>
-            </a:r>
-            <a:r>
-              <a:rPr lang="ru-RU" dirty="0"/>
-              <a:t> </a:t>
+              <a:t>Примерная философия организации, как правило, определяет </a:t>
             </a:r>
           </a:p>
         </p:txBody>
@@ -6337,121 +6394,50 @@
           <a:lstStyle/>
           <a:p>
             <a:r>
-              <a:rPr lang="ru-RU" sz="3800" dirty="0" smtClean="0"/>
-              <a:t>Цели </a:t>
-            </a:r>
-            <a:r>
               <a:rPr lang="ru-RU" sz="3800" dirty="0"/>
-              <a:t>и задачи </a:t>
-            </a:r>
-            <a:r>
-              <a:rPr lang="ru-RU" sz="3800" dirty="0" smtClean="0"/>
-              <a:t>организации</a:t>
-            </a:r>
-            <a:endParaRPr lang="ru-RU" sz="3800" dirty="0"/>
-          </a:p>
-          <a:p>
-            <a:r>
-              <a:rPr lang="ru-RU" sz="3800" dirty="0" smtClean="0"/>
-              <a:t>Декларацию </a:t>
-            </a:r>
+              <a:t>Цели и задачи организации</a:t>
+            </a:r>
+          </a:p>
+          <a:p>
             <a:r>
               <a:rPr lang="ru-RU" sz="3800" dirty="0"/>
-              <a:t>прав </a:t>
-            </a:r>
-            <a:r>
-              <a:rPr lang="ru-RU" sz="3800" dirty="0" smtClean="0"/>
-              <a:t>сотрудника</a:t>
-            </a:r>
-            <a:endParaRPr lang="ru-RU" sz="3800" dirty="0"/>
-          </a:p>
-          <a:p>
-            <a:r>
-              <a:rPr lang="ru-RU" sz="3800" dirty="0" smtClean="0"/>
-              <a:t>Что </a:t>
-            </a:r>
+              <a:t>Декларацию прав сотрудника</a:t>
+            </a:r>
+          </a:p>
+          <a:p>
             <a:r>
               <a:rPr lang="ru-RU" sz="3800" dirty="0"/>
-              <a:t>поощряется и </a:t>
-            </a:r>
-            <a:r>
-              <a:rPr lang="ru-RU" sz="3800" dirty="0" smtClean="0"/>
-              <a:t>запрещается</a:t>
-            </a:r>
-            <a:endParaRPr lang="ru-RU" sz="3800" dirty="0"/>
-          </a:p>
-          <a:p>
-            <a:r>
-              <a:rPr lang="ru-RU" sz="3800" dirty="0" smtClean="0"/>
-              <a:t>Деловые </a:t>
-            </a:r>
+              <a:t>Что поощряется и запрещается</a:t>
+            </a:r>
+          </a:p>
+          <a:p>
             <a:r>
               <a:rPr lang="ru-RU" sz="3800" dirty="0"/>
-              <a:t>и нравственные </a:t>
-            </a:r>
-            <a:r>
-              <a:rPr lang="ru-RU" sz="3800" dirty="0" smtClean="0"/>
-              <a:t>качества</a:t>
-            </a:r>
-            <a:endParaRPr lang="ru-RU" sz="3800" dirty="0"/>
-          </a:p>
-          <a:p>
-            <a:r>
-              <a:rPr lang="ru-RU" sz="3800" dirty="0" smtClean="0"/>
-              <a:t>Условия </a:t>
-            </a:r>
+              <a:t>Деловые и нравственные качества</a:t>
+            </a:r>
+          </a:p>
+          <a:p>
             <a:r>
               <a:rPr lang="ru-RU" sz="3800" dirty="0"/>
-              <a:t>труда и организацию рабочих </a:t>
-            </a:r>
-            <a:r>
-              <a:rPr lang="ru-RU" sz="3800" dirty="0" smtClean="0"/>
-              <a:t>мест</a:t>
-            </a:r>
-            <a:endParaRPr lang="ru-RU" sz="3800" dirty="0"/>
-          </a:p>
-          <a:p>
-            <a:r>
-              <a:rPr lang="ru-RU" sz="3800" dirty="0" smtClean="0"/>
-              <a:t>Оценку </a:t>
-            </a:r>
+              <a:t>Условия труда и организацию рабочих мест</a:t>
+            </a:r>
+          </a:p>
+          <a:p>
             <a:r>
               <a:rPr lang="ru-RU" sz="3800" dirty="0"/>
-              <a:t>и оплату </a:t>
-            </a:r>
-            <a:r>
-              <a:rPr lang="ru-RU" sz="3800" dirty="0" smtClean="0"/>
-              <a:t>труда</a:t>
-            </a:r>
-            <a:endParaRPr lang="ru-RU" sz="3800" dirty="0"/>
-          </a:p>
-          <a:p>
-            <a:r>
-              <a:rPr lang="ru-RU" sz="3800" dirty="0" smtClean="0"/>
-              <a:t>Социальные </a:t>
-            </a:r>
+              <a:t>Оценку и оплату труда</a:t>
+            </a:r>
+          </a:p>
+          <a:p>
             <a:r>
               <a:rPr lang="ru-RU" sz="3800" dirty="0"/>
-              <a:t>блага и </a:t>
-            </a:r>
-            <a:r>
-              <a:rPr lang="ru-RU" sz="3800" dirty="0" smtClean="0"/>
-              <a:t>гарантии</a:t>
-            </a:r>
-            <a:endParaRPr lang="ru-RU" sz="3800" dirty="0"/>
-          </a:p>
-          <a:p>
-            <a:r>
-              <a:rPr lang="ru-RU" sz="3800" dirty="0" smtClean="0"/>
-              <a:t>Возможности </a:t>
-            </a:r>
+              <a:t>Социальные блага и гарантии</a:t>
+            </a:r>
+          </a:p>
+          <a:p>
             <a:r>
               <a:rPr lang="ru-RU" sz="3800" dirty="0"/>
-              <a:t>реализации увлечений, условия </a:t>
-            </a:r>
-            <a:r>
-              <a:rPr lang="ru-RU" sz="3800" dirty="0" smtClean="0"/>
-              <a:t>отдыха</a:t>
+              <a:t>Возможности реализации увлечений, условия отдыха</a:t>
             </a:r>
             <a:endParaRPr lang="ru-RU" dirty="0"/>
           </a:p>
@@ -6528,12 +6514,8 @@
           <a:lstStyle/>
           <a:p>
             <a:r>
-              <a:rPr lang="ru-RU" dirty="0" smtClean="0"/>
-              <a:t>максимизация </a:t>
-            </a:r>
-            <a:r>
               <a:rPr lang="ru-RU" dirty="0"/>
-              <a:t>прибыли от всех видов деятельности;</a:t>
+              <a:t>максимизация прибыли от всех видов деятельности;</a:t>
             </a:r>
           </a:p>
           <a:p>
@@ -6562,26 +6544,14 @@
           </a:p>
           <a:p>
             <a:r>
-              <a:rPr lang="ru-RU" dirty="0" smtClean="0"/>
-              <a:t>максимизация </a:t>
-            </a:r>
-            <a:r>
               <a:rPr lang="ru-RU" dirty="0"/>
-              <a:t>доходов и уровня жизни </a:t>
-            </a:r>
-            <a:r>
-              <a:rPr lang="ru-RU" dirty="0" smtClean="0"/>
-              <a:t>сотрудников;</a:t>
-            </a:r>
-          </a:p>
-          <a:p>
-            <a:r>
-              <a:rPr lang="ru-RU" dirty="0" smtClean="0"/>
-              <a:t>минимизация </a:t>
-            </a:r>
+              <a:t>максимизация доходов и уровня жизни сотрудников;</a:t>
+            </a:r>
+          </a:p>
+          <a:p>
             <a:r>
               <a:rPr lang="ru-RU" dirty="0"/>
-              <a:t>числа рабочих мести служащих;</a:t>
+              <a:t>минимизация числа рабочих мести служащих;</a:t>
             </a:r>
           </a:p>
           <a:p>
@@ -6589,7 +6559,6 @@
               <a:rPr lang="ru-RU" dirty="0"/>
               <a:t>расширение сфер и видов деятельности.</a:t>
             </a:r>
-            <a:endParaRPr lang="ru-RU" dirty="0"/>
           </a:p>
         </p:txBody>
       </p:sp>
@@ -6674,114 +6643,73 @@
           <a:lstStyle/>
           <a:p>
             <a:r>
-              <a:rPr lang="ru-RU" dirty="0" smtClean="0"/>
-              <a:t>Личные </a:t>
-            </a:r>
-            <a:r>
               <a:rPr lang="ru-RU" dirty="0"/>
-              <a:t>и гражданские права </a:t>
-            </a:r>
-            <a:r>
-              <a:rPr lang="ru-RU" dirty="0" smtClean="0"/>
-              <a:t>сотрудника</a:t>
-            </a:r>
-            <a:endParaRPr lang="en-US" dirty="0" smtClean="0"/>
+              <a:t>Личные и гражданские права сотрудника</a:t>
+            </a:r>
+            <a:endParaRPr lang="en-US" dirty="0"/>
           </a:p>
           <a:p>
             <a:r>
               <a:rPr lang="ru-RU" dirty="0"/>
-              <a:t>Культурные </a:t>
-            </a:r>
-            <a:r>
-              <a:rPr lang="ru-RU" dirty="0" smtClean="0"/>
-              <a:t>права</a:t>
-            </a:r>
-            <a:endParaRPr lang="en-US" dirty="0" smtClean="0"/>
+              <a:t>Культурные права</a:t>
+            </a:r>
+            <a:endParaRPr lang="en-US" dirty="0"/>
           </a:p>
           <a:p>
             <a:r>
               <a:rPr lang="ru-RU" dirty="0"/>
-              <a:t>Социальные </a:t>
-            </a:r>
-            <a:r>
-              <a:rPr lang="ru-RU" dirty="0" smtClean="0"/>
-              <a:t>права</a:t>
-            </a:r>
-            <a:endParaRPr lang="en-US" dirty="0" smtClean="0"/>
+              <a:t>Социальные права</a:t>
+            </a:r>
+            <a:endParaRPr lang="en-US" dirty="0"/>
           </a:p>
           <a:p>
             <a:r>
               <a:rPr lang="ru-RU" dirty="0"/>
               <a:t>Права на свободный выбор профессии, -вида занятости и места </a:t>
-            </a:r>
-            <a:r>
-              <a:rPr lang="ru-RU" dirty="0" smtClean="0"/>
-              <a:t>работы</a:t>
-            </a:r>
-            <a:endParaRPr lang="en-US" dirty="0" smtClean="0"/>
+вида занятости и места работы</a:t>
+            </a:r>
+            <a:endParaRPr lang="en-US" dirty="0"/>
           </a:p>
           <a:p>
             <a:r>
               <a:rPr lang="ru-RU" dirty="0"/>
-              <a:t>Права на охрану </a:t>
-            </a:r>
-            <a:r>
-              <a:rPr lang="ru-RU" dirty="0" smtClean="0"/>
-              <a:t>труда</a:t>
-            </a:r>
-            <a:endParaRPr lang="en-US" dirty="0" smtClean="0"/>
+              <a:t>Права на охрану труда</a:t>
+            </a:r>
+            <a:endParaRPr lang="en-US" dirty="0"/>
           </a:p>
           <a:p>
             <a:r>
               <a:rPr lang="ru-RU" dirty="0"/>
-              <a:t>Права на справедливое </a:t>
-            </a:r>
-            <a:r>
-              <a:rPr lang="ru-RU" dirty="0" smtClean="0"/>
-              <a:t>вознаграждение</a:t>
-            </a:r>
-            <a:endParaRPr lang="en-US" dirty="0" smtClean="0"/>
+              <a:t>Права на справедливое вознаграждение</a:t>
+            </a:r>
+            <a:endParaRPr lang="en-US" dirty="0"/>
           </a:p>
           <a:p>
             <a:r>
               <a:rPr lang="ru-RU" dirty="0"/>
-              <a:t>Права на ограничение рабочего </a:t>
-            </a:r>
-            <a:r>
-              <a:rPr lang="ru-RU" dirty="0" smtClean="0"/>
-              <a:t>времени</a:t>
-            </a:r>
-            <a:endParaRPr lang="en-US" dirty="0" smtClean="0"/>
+              <a:t>Права на ограничение рабочего времени</a:t>
+            </a:r>
+            <a:endParaRPr lang="en-US" dirty="0"/>
           </a:p>
           <a:p>
             <a:r>
               <a:rPr lang="ru-RU" dirty="0"/>
-              <a:t>Права на </a:t>
-            </a:r>
-            <a:r>
-              <a:rPr lang="ru-RU" dirty="0" smtClean="0"/>
-              <a:t>отпуск</a:t>
-            </a:r>
-            <a:endParaRPr lang="en-US" dirty="0" smtClean="0"/>
+              <a:t>Права на отпуск</a:t>
+            </a:r>
+            <a:endParaRPr lang="en-US" dirty="0"/>
           </a:p>
           <a:p>
             <a:r>
               <a:rPr lang="ru-RU" dirty="0"/>
-              <a:t>Права на защиту своих, интересов, прав и </a:t>
-            </a:r>
-            <a:r>
-              <a:rPr lang="ru-RU" dirty="0" smtClean="0"/>
-              <a:t>свобод</a:t>
-            </a:r>
-            <a:endParaRPr lang="en-US" dirty="0" smtClean="0"/>
+              <a:t>Права на защиту своих, интересов, прав и свобод</a:t>
+            </a:r>
+            <a:endParaRPr lang="en-US" dirty="0"/>
           </a:p>
           <a:p>
             <a:r>
               <a:rPr lang="ru-RU" dirty="0"/>
               <a:t>Право на образование</a:t>
             </a:r>
-            <a:endParaRPr lang="ru-RU" dirty="0" smtClean="0"/>
           </a:p>
           <a:p>
             <a:endParaRPr lang="ru-RU" dirty="0"/>
@@ -6858,32 +6786,16 @@
           <a:p>
             <a:r>
               <a:rPr lang="ru-RU" dirty="0"/>
-              <a:t>В организации </a:t>
-            </a:r>
-            <a:r>
-              <a:rPr lang="ru-RU" dirty="0" smtClean="0"/>
-              <a:t>поощряется </a:t>
-            </a:r>
+              <a:t>В организации поощряется инициатива сотрудников, направленная на улучшение положения организации и сотрудников в целом</a:t>
+            </a:r>
+            <a:endParaRPr lang="en-US" dirty="0"/>
+          </a:p>
+          <a:p>
             <a:r>
               <a:rPr lang="ru-RU" dirty="0"/>
-              <a:t>инициатива </a:t>
-            </a:r>
-            <a:r>
-              <a:rPr lang="ru-RU" dirty="0" smtClean="0"/>
-              <a:t>сотрудников, направленная на улучшение положения организации и сотрудников в целом</a:t>
-            </a:r>
-            <a:endParaRPr lang="en-US" dirty="0" smtClean="0"/>
-          </a:p>
-          <a:p>
-            <a:r>
-              <a:rPr lang="ru-RU" dirty="0"/>
-              <a:t>В организации запрещается разглашать сведения, составляющие коммерческую и служебную </a:t>
-            </a:r>
-            <a:r>
-              <a:rPr lang="ru-RU" dirty="0" smtClean="0"/>
-              <a:t>тайны</a:t>
-            </a:r>
-            <a:endParaRPr lang="en-US" dirty="0" smtClean="0"/>
+              <a:t>В организации запрещается разглашать сведения, составляющие коммерческую и служебную тайны</a:t>
+            </a:r>
+            <a:endParaRPr lang="en-US" dirty="0"/>
           </a:p>
         </p:txBody>
       </p:sp>
@@ -6934,11 +6846,7 @@
           <a:p>
             <a:r>
               <a:rPr lang="ru-RU" b="1" dirty="0"/>
-              <a:t>Условия труда. Рабочее </a:t>
-            </a:r>
-            <a:r>
-              <a:rPr lang="ru-RU" b="1" dirty="0" smtClean="0"/>
-              <a:t>место	</a:t>
+              <a:t>Условия труда. Рабочее место	</a:t>
             </a:r>
             <a:endParaRPr lang="ru-RU" dirty="0"/>
           </a:p>
@@ -6961,27 +6869,18 @@
           <a:p>
             <a:r>
               <a:rPr lang="ru-RU" dirty="0"/>
-              <a:t>Организация обеспечивает каждому сотруднику комфортные условия труда в офисе, оснащенном современной мебелью и </a:t>
-            </a:r>
-            <a:r>
-              <a:rPr lang="ru-RU" dirty="0" smtClean="0"/>
-              <a:t>оборудованием</a:t>
-            </a:r>
-            <a:r>
-              <a:rPr lang="en-US" dirty="0" smtClean="0"/>
+              <a:t>Организация обеспечивает каждому сотруднику комфортные условия труда в офисе, оснащенном современной мебелью и оборудованием</a:t>
+            </a:r>
+            <a:r>
+              <a:rPr lang="en-US" dirty="0"/>
               <a:t>.</a:t>
             </a:r>
           </a:p>
           <a:p>
             <a:r>
               <a:rPr lang="ru-RU" dirty="0"/>
-              <a:t>Предприятие рекомендует </a:t>
-            </a:r>
-            <a:r>
-              <a:rPr lang="ru-RU" dirty="0" smtClean="0"/>
-              <a:t>сотруднику не использовать предприятие и его оборудование для личных целей.</a:t>
-            </a:r>
-            <a:endParaRPr lang="ru-RU" dirty="0"/>
+              <a:t>Предприятие рекомендует сотруднику не использовать предприятие и его оборудование для личных целей.</a:t>
+            </a:r>
           </a:p>
         </p:txBody>
       </p:sp>
@@ -7054,10 +6953,9 @@
           <a:lstStyle/>
           <a:p>
             <a:r>
-              <a:rPr lang="ru-RU" dirty="0" smtClean="0"/>
+              <a:rPr lang="ru-RU" dirty="0"/>
               <a:t>Подразумевает перечень принципов оплаты и оценки труда в организации.</a:t>
             </a:r>
-            <a:endParaRPr lang="ru-RU" dirty="0"/>
           </a:p>
         </p:txBody>
       </p:sp>
@@ -7131,13 +7029,8 @@
           <a:p>
             <a:r>
               <a:rPr lang="ru-RU" dirty="0"/>
-              <a:t>Перечень социальных благ определяется ежегодно на общем собрании коллектива организации и зависит от её доходов и финансового состояния. Минимальный перечень социальных благ, одинаковых для всех сотрудников, записывается в коллективном </a:t>
-            </a:r>
-            <a:r>
-              <a:rPr lang="ru-RU" dirty="0" smtClean="0"/>
-              <a:t>договоре.</a:t>
-            </a:r>
-            <a:endParaRPr lang="ru-RU" dirty="0"/>
+              <a:t>Перечень социальных благ определяется ежегодно на общем собрании коллектива организации и зависит от её доходов и финансового состояния. Минимальный перечень социальных благ, одинаковых для всех сотрудников, записывается в коллективном договоре.</a:t>
+            </a:r>
           </a:p>
         </p:txBody>
       </p:sp>
@@ -7298,10 +7191,9 @@
               <a:t>руб</a:t>
             </a:r>
             <a:r>
-              <a:rPr lang="ru-RU" dirty="0" smtClean="0"/>
+              <a:rPr lang="ru-RU" dirty="0"/>
               <a:t>.;</a:t>
             </a:r>
-            <a:endParaRPr lang="ru-RU" dirty="0"/>
           </a:p>
           <a:p>
             <a:r>
@@ -7314,7 +7206,6 @@
               <a:rPr lang="ru-RU" dirty="0"/>
               <a:t>платная медицинская помощь в случае полученной трудовой травмы или временной нетрудоспособности.</a:t>
             </a:r>
-            <a:endParaRPr lang="ru-RU" dirty="0"/>
           </a:p>
         </p:txBody>
       </p:sp>

--- a/философия организации/йцу.pptx
+++ b/философия организации/йцу.pptx
@@ -625,7 +625,7 @@
             <a:fld id="{B61BEF0D-F0BB-DE4B-95CE-6DB70DBA9567}" type="datetimeFigureOut">
               <a:rPr lang="en-US" dirty="0"/>
               <a:pPr/>
-              <a:t>10/30/2016</a:t>
+              <a:t>10/31/16</a:t>
             </a:fld>
             <a:endParaRPr lang="en-US" dirty="0"/>
           </a:p>
@@ -918,7 +918,7 @@
             <a:fld id="{B61BEF0D-F0BB-DE4B-95CE-6DB70DBA9567}" type="datetimeFigureOut">
               <a:rPr lang="en-US" dirty="0"/>
               <a:pPr/>
-              <a:t>10/30/2016</a:t>
+              <a:t>10/31/16</a:t>
             </a:fld>
             <a:endParaRPr lang="en-US" dirty="0"/>
           </a:p>
@@ -1163,7 +1163,7 @@
             <a:fld id="{B61BEF0D-F0BB-DE4B-95CE-6DB70DBA9567}" type="datetimeFigureOut">
               <a:rPr lang="en-US" dirty="0"/>
               <a:pPr/>
-              <a:t>10/30/2016</a:t>
+              <a:t>10/31/16</a:t>
             </a:fld>
             <a:endParaRPr lang="en-US" dirty="0"/>
           </a:p>
@@ -1700,7 +1700,7 @@
             <a:fld id="{B61BEF0D-F0BB-DE4B-95CE-6DB70DBA9567}" type="datetimeFigureOut">
               <a:rPr lang="en-US" dirty="0"/>
               <a:pPr/>
-              <a:t>10/30/2016</a:t>
+              <a:t>10/31/16</a:t>
             </a:fld>
             <a:endParaRPr lang="en-US" dirty="0"/>
           </a:p>
@@ -1945,7 +1945,7 @@
             <a:fld id="{B61BEF0D-F0BB-DE4B-95CE-6DB70DBA9567}" type="datetimeFigureOut">
               <a:rPr lang="en-US" dirty="0"/>
               <a:pPr/>
-              <a:t>10/30/2016</a:t>
+              <a:t>10/31/16</a:t>
             </a:fld>
             <a:endParaRPr lang="en-US" dirty="0"/>
           </a:p>
@@ -2474,7 +2474,7 @@
             <a:fld id="{B61BEF0D-F0BB-DE4B-95CE-6DB70DBA9567}" type="datetimeFigureOut">
               <a:rPr lang="en-US" dirty="0"/>
               <a:pPr/>
-              <a:t>10/30/2016</a:t>
+              <a:t>10/31/16</a:t>
             </a:fld>
             <a:endParaRPr lang="en-US" dirty="0"/>
           </a:p>
@@ -2768,7 +2768,7 @@
             <a:fld id="{B61BEF0D-F0BB-DE4B-95CE-6DB70DBA9567}" type="datetimeFigureOut">
               <a:rPr lang="en-US" dirty="0"/>
               <a:pPr/>
-              <a:t>10/30/2016</a:t>
+              <a:t>10/31/16</a:t>
             </a:fld>
             <a:endParaRPr lang="en-US" dirty="0"/>
           </a:p>
@@ -2939,7 +2939,7 @@
             <a:fld id="{B61BEF0D-F0BB-DE4B-95CE-6DB70DBA9567}" type="datetimeFigureOut">
               <a:rPr lang="en-US" dirty="0"/>
               <a:pPr/>
-              <a:t>10/30/2016</a:t>
+              <a:t>10/31/16</a:t>
             </a:fld>
             <a:endParaRPr lang="en-US" dirty="0"/>
           </a:p>
@@ -3116,7 +3116,7 @@
             <a:fld id="{B61BEF0D-F0BB-DE4B-95CE-6DB70DBA9567}" type="datetimeFigureOut">
               <a:rPr lang="en-US" dirty="0"/>
               <a:pPr/>
-              <a:t>10/30/2016</a:t>
+              <a:t>10/31/16</a:t>
             </a:fld>
             <a:endParaRPr lang="en-US" dirty="0"/>
           </a:p>
@@ -3283,7 +3283,7 @@
             <a:fld id="{B61BEF0D-F0BB-DE4B-95CE-6DB70DBA9567}" type="datetimeFigureOut">
               <a:rPr lang="en-US" dirty="0"/>
               <a:pPr/>
-              <a:t>10/30/2016</a:t>
+              <a:t>10/31/16</a:t>
             </a:fld>
             <a:endParaRPr lang="en-US" dirty="0"/>
           </a:p>
@@ -3531,7 +3531,7 @@
             <a:fld id="{B61BEF0D-F0BB-DE4B-95CE-6DB70DBA9567}" type="datetimeFigureOut">
               <a:rPr lang="en-US" dirty="0"/>
               <a:pPr/>
-              <a:t>10/30/2016</a:t>
+              <a:t>10/31/16</a:t>
             </a:fld>
             <a:endParaRPr lang="en-US" dirty="0"/>
           </a:p>
@@ -3825,7 +3825,7 @@
             <a:fld id="{B61BEF0D-F0BB-DE4B-95CE-6DB70DBA9567}" type="datetimeFigureOut">
               <a:rPr lang="en-US" dirty="0"/>
               <a:pPr/>
-              <a:t>10/30/2016</a:t>
+              <a:t>10/31/16</a:t>
             </a:fld>
             <a:endParaRPr lang="en-US" dirty="0"/>
           </a:p>
@@ -4264,7 +4264,7 @@
             <a:fld id="{B61BEF0D-F0BB-DE4B-95CE-6DB70DBA9567}" type="datetimeFigureOut">
               <a:rPr lang="en-US" dirty="0"/>
               <a:pPr/>
-              <a:t>10/30/2016</a:t>
+              <a:t>10/31/16</a:t>
             </a:fld>
             <a:endParaRPr lang="en-US" dirty="0"/>
           </a:p>
@@ -4379,7 +4379,7 @@
             <a:fld id="{B61BEF0D-F0BB-DE4B-95CE-6DB70DBA9567}" type="datetimeFigureOut">
               <a:rPr lang="en-US" dirty="0"/>
               <a:pPr/>
-              <a:t>10/30/2016</a:t>
+              <a:t>10/31/16</a:t>
             </a:fld>
             <a:endParaRPr lang="en-US" dirty="0"/>
           </a:p>
@@ -4471,7 +4471,7 @@
             <a:fld id="{B61BEF0D-F0BB-DE4B-95CE-6DB70DBA9567}" type="datetimeFigureOut">
               <a:rPr lang="en-US" dirty="0"/>
               <a:pPr/>
-              <a:t>10/30/2016</a:t>
+              <a:t>10/31/16</a:t>
             </a:fld>
             <a:endParaRPr lang="en-US" dirty="0"/>
           </a:p>
@@ -4751,7 +4751,7 @@
             <a:fld id="{B61BEF0D-F0BB-DE4B-95CE-6DB70DBA9567}" type="datetimeFigureOut">
               <a:rPr lang="en-US" dirty="0"/>
               <a:pPr/>
-              <a:t>10/30/2016</a:t>
+              <a:t>10/31/16</a:t>
             </a:fld>
             <a:endParaRPr lang="en-US" dirty="0"/>
           </a:p>
@@ -5039,7 +5039,7 @@
             <a:fld id="{B61BEF0D-F0BB-DE4B-95CE-6DB70DBA9567}" type="datetimeFigureOut">
               <a:rPr lang="en-US" dirty="0"/>
               <a:pPr/>
-              <a:t>10/30/2016</a:t>
+              <a:t>10/31/16</a:t>
             </a:fld>
             <a:endParaRPr lang="en-US" dirty="0"/>
           </a:p>
@@ -5566,7 +5566,7 @@
             <a:fld id="{B61BEF0D-F0BB-DE4B-95CE-6DB70DBA9567}" type="datetimeFigureOut">
               <a:rPr lang="en-US" dirty="0"/>
               <a:pPr/>
-              <a:t>10/30/2016</a:t>
+              <a:t>10/31/16</a:t>
             </a:fld>
             <a:endParaRPr lang="en-US" dirty="0"/>
           </a:p>
@@ -6238,32 +6238,19 @@
         </p:spPr>
         <p:txBody>
           <a:bodyPr>
-            <a:normAutofit fontScale="92500" lnSpcReduction="10000"/>
+            <a:normAutofit/>
           </a:bodyPr>
           <a:lstStyle/>
           <a:p>
             <a:r>
-              <a:rPr lang="ru-RU" dirty="0"/>
-              <a:t>В организации принята концепция всестороннего развития личности, поэтому всемерно поощряются разнообразные увлечения сотрудников в свободное время: чтение литературы, занятия искусством, посещение театров и кино, занятие охотой и рыбной ловлей и т.д.</a:t>
-            </a:r>
-          </a:p>
-          <a:p>
-            <a:r>
-              <a:rPr lang="ru-RU" dirty="0"/>
-              <a:t>Плановые мероприятия для коллектива организации или её подразделения оплачиваются за счет фонда социального развития.</a:t>
-            </a:r>
-          </a:p>
-          <a:p>
-            <a:r>
-              <a:rPr lang="ru-RU" dirty="0"/>
-              <a:t>Организация не поддерживает увлечения азартными играми на деньги (карты, кости, рулетка, скачки и др.).</a:t>
-            </a:r>
-          </a:p>
-          <a:p>
-            <a:r>
-              <a:rPr lang="ru-RU" dirty="0"/>
-              <a:t>Организация не рекомендует сотрудникам принимать подарки от клиентов и считает недопустимым предоставление в обмен на них служебной информации.</a:t>
-            </a:r>
+              <a:rPr lang="ru-RU" sz="2800" dirty="0"/>
+              <a:t>В организации принята концепция всестороннего развития личности, поэтому всемерно поощряются разнообразные увлечения сотрудников в свободное время: чтение литературы, занятия искусством, посещение театров и кино, занятие охотой и рыбной ловлей и т.д</a:t>
+            </a:r>
+            <a:r>
+              <a:rPr lang="ru-RU" sz="2800" dirty="0" smtClean="0"/>
+              <a:t>.</a:t>
+            </a:r>
+            <a:endParaRPr lang="ru-RU" dirty="0"/>
           </a:p>
         </p:txBody>
       </p:sp>
@@ -7110,19 +7097,17 @@
         </p:spPr>
         <p:txBody>
           <a:bodyPr>
-            <a:normAutofit fontScale="85000" lnSpcReduction="10000"/>
+            <a:normAutofit/>
           </a:bodyPr>
           <a:lstStyle/>
           <a:p>
             <a:r>
+              <a:rPr lang="ru-RU" dirty="0" smtClean="0"/>
+              <a:t>ежегодный </a:t>
+            </a:r>
+            <a:r>
               <a:rPr lang="ru-RU" dirty="0"/>
-              <a:t>Каждому работнику гарантируются следующие социальные права:</a:t>
-            </a:r>
-          </a:p>
-          <a:p>
-            <a:r>
-              <a:rPr lang="ru-RU" dirty="0"/>
-              <a:t>ежегодный оплачиваемый отпуск не </a:t>
+              <a:t>оплачиваемый отпуск не </a:t>
             </a:r>
             <a:r>
               <a:rPr lang="ru-RU" dirty="0" err="1"/>
@@ -7150,62 +7135,20 @@
           <a:p>
             <a:r>
               <a:rPr lang="ru-RU" dirty="0"/>
-              <a:t>оплата больничных листов в случае временной нетрудоспособности или травм в установленном размере;</a:t>
-            </a:r>
-          </a:p>
-          <a:p>
-            <a:r>
-              <a:rPr lang="ru-RU" dirty="0"/>
-              <a:t>страхование жизни сотрудников в размере до__</a:t>
-            </a:r>
-            <a:r>
-              <a:rPr lang="ru-RU" dirty="0" err="1"/>
-              <a:t>руб</a:t>
-            </a:r>
-            <a:r>
-              <a:rPr lang="ru-RU" dirty="0"/>
-              <a:t>.;</a:t>
-            </a:r>
-          </a:p>
-          <a:p>
-            <a:r>
-              <a:rPr lang="ru-RU" dirty="0"/>
-              <a:t>дополнительная пенсия по желанию сотрудника (перечисление части его зарплаты в негосударственный пенсионный фонд);</a:t>
-            </a:r>
-          </a:p>
-          <a:p>
-            <a:r>
-              <a:rPr lang="ru-RU" dirty="0"/>
-              <a:t>оплата расходов в случае смерти сотрудника в сумме до__</a:t>
-            </a:r>
-            <a:r>
-              <a:rPr lang="ru-RU" dirty="0" err="1"/>
-              <a:t>руб</a:t>
-            </a:r>
-            <a:r>
-              <a:rPr lang="ru-RU" dirty="0"/>
-              <a:t>. или его близкого родственника в размере__</a:t>
-            </a:r>
-            <a:r>
-              <a:rPr lang="ru-RU" dirty="0" err="1"/>
-              <a:t>руб</a:t>
-            </a:r>
-            <a:r>
-              <a:rPr lang="ru-RU" dirty="0"/>
-              <a:t>.;</a:t>
-            </a:r>
-          </a:p>
-          <a:p>
-            <a:r>
-              <a:rPr lang="ru-RU" dirty="0"/>
-              <a:t>выплата единовременного пособия в размере 2-месячного должностного оклада в случае увольнения или сокращения штатов по инициативе администрации;</a:t>
-            </a:r>
-          </a:p>
-          <a:p>
-            <a:r>
-              <a:rPr lang="ru-RU" dirty="0"/>
-              <a:t>платная медицинская помощь в случае полученной трудовой травмы или временной нетрудоспособности.</a:t>
-            </a:r>
+              <a:t>оплата больничных листов в случае временной нетрудоспособности или травм в установленном </a:t>
+            </a:r>
+            <a:r>
+              <a:rPr lang="ru-RU" dirty="0" smtClean="0"/>
+              <a:t>размере;</a:t>
+            </a:r>
+            <a:endParaRPr lang="en-US" dirty="0"/>
+          </a:p>
+          <a:p>
+            <a:r>
+              <a:rPr lang="ru-RU" smtClean="0"/>
+              <a:t>И т.д.</a:t>
+            </a:r>
+            <a:endParaRPr lang="ru-RU" dirty="0"/>
           </a:p>
         </p:txBody>
       </p:sp>
